--- a/HINS_MCU_V3.0/doc/輸出架構變更.pptx
+++ b/HINS_MCU_V3.0/doc/輸出架構變更.pptx
@@ -107,6 +107,11 @@
       </a:defRPr>
     </a:lvl9pPr>
   </p:defaultTextStyle>
+  <p:extLst>
+    <p:ext uri="{EFAFB233-063F-42B5-8137-9DF3F51BA10A}">
+      <p15:sldGuideLst xmlns:p15="http://schemas.microsoft.com/office/powerpoint/2012/main"/>
+    </p:ext>
+  </p:extLst>
 </p:presentation>
 </file>
 
@@ -4445,7 +4450,26 @@
                 <a:latin typeface="微軟正黑體" panose="020B0604030504040204" pitchFamily="34" charset="-120"/>
                 <a:ea typeface="微軟正黑體" panose="020B0604030504040204" pitchFamily="34" charset="-120"/>
               </a:rPr>
-              <a:t>。模組在資料串流啟動時才運行，並且可能需要做初始化設定</a:t>
+              <a:t>。</a:t>
+            </a:r>
+            <a:endParaRPr lang="en-US" altLang="zh-TW" sz="1200" dirty="0">
+              <a:solidFill>
+                <a:schemeClr val="tx1"/>
+              </a:solidFill>
+              <a:latin typeface="微軟正黑體" panose="020B0604030504040204" pitchFamily="34" charset="-120"/>
+              <a:ea typeface="微軟正黑體" panose="020B0604030504040204" pitchFamily="34" charset="-120"/>
+            </a:endParaRPr>
+          </a:p>
+          <a:p>
+            <a:r>
+              <a:rPr lang="zh-TW" altLang="en-US" sz="1200" dirty="0">
+                <a:solidFill>
+                  <a:schemeClr val="tx1"/>
+                </a:solidFill>
+                <a:latin typeface="微軟正黑體" panose="020B0604030504040204" pitchFamily="34" charset="-120"/>
+                <a:ea typeface="微軟正黑體" panose="020B0604030504040204" pitchFamily="34" charset="-120"/>
+              </a:rPr>
+              <a:t>模組在資料串流啟動時才運行，並且可能需要做初始化設定</a:t>
             </a:r>
             <a:r>
               <a:rPr lang="en-US" altLang="zh-TW" sz="1200" dirty="0">
@@ -4498,14 +4522,24 @@
               <a:t>…..</a:t>
             </a:r>
             <a:r>
-              <a:rPr lang="en-US" altLang="zh-TW" sz="1200">
-                <a:solidFill>
-                  <a:schemeClr val="tx1"/>
-                </a:solidFill>
-                <a:latin typeface="微軟正黑體" panose="020B0604030504040204" pitchFamily="34" charset="-120"/>
-                <a:ea typeface="微軟正黑體" panose="020B0604030504040204" pitchFamily="34" charset="-120"/>
-              </a:rPr>
-              <a:t>etc)</a:t>
+              <a:rPr lang="en-US" altLang="zh-TW" sz="1200" dirty="0" err="1">
+                <a:solidFill>
+                  <a:schemeClr val="tx1"/>
+                </a:solidFill>
+                <a:latin typeface="微軟正黑體" panose="020B0604030504040204" pitchFamily="34" charset="-120"/>
+                <a:ea typeface="微軟正黑體" panose="020B0604030504040204" pitchFamily="34" charset="-120"/>
+              </a:rPr>
+              <a:t>etc</a:t>
+            </a:r>
+            <a:r>
+              <a:rPr lang="en-US" altLang="zh-TW" sz="1200" dirty="0">
+                <a:solidFill>
+                  <a:schemeClr val="tx1"/>
+                </a:solidFill>
+                <a:latin typeface="微軟正黑體" panose="020B0604030504040204" pitchFamily="34" charset="-120"/>
+                <a:ea typeface="微軟正黑體" panose="020B0604030504040204" pitchFamily="34" charset="-120"/>
+              </a:rPr>
+              <a:t>)</a:t>
             </a:r>
             <a:r>
               <a:rPr lang="zh-TW" altLang="en-US" sz="1200" dirty="0">
@@ -4547,6 +4581,187 @@
               </a:rPr>
               <a:t>結構體。</a:t>
             </a:r>
+            <a:r>
+              <a:rPr lang="zh-TW" altLang="en-US" sz="1200" dirty="0">
+                <a:solidFill>
+                  <a:srgbClr val="FF0000"/>
+                </a:solidFill>
+                <a:latin typeface="微軟正黑體" panose="020B0604030504040204" pitchFamily="34" charset="-120"/>
+                <a:ea typeface="微軟正黑體" panose="020B0604030504040204" pitchFamily="34" charset="-120"/>
+              </a:rPr>
+              <a:t>若模組需要初始化時間的話，該如何設計讓使用者知道目前初始化還沒結束呢</a:t>
+            </a:r>
+            <a:r>
+              <a:rPr lang="en-US" altLang="zh-TW" sz="1200" dirty="0">
+                <a:solidFill>
+                  <a:srgbClr val="FF0000"/>
+                </a:solidFill>
+                <a:latin typeface="微軟正黑體" panose="020B0604030504040204" pitchFamily="34" charset="-120"/>
+                <a:ea typeface="微軟正黑體" panose="020B0604030504040204" pitchFamily="34" charset="-120"/>
+              </a:rPr>
+              <a:t>?</a:t>
+            </a:r>
+            <a:endParaRPr lang="zh-TW" altLang="en-US" sz="1200" dirty="0">
+              <a:solidFill>
+                <a:srgbClr val="FF0000"/>
+              </a:solidFill>
+              <a:latin typeface="微軟正黑體" panose="020B0604030504040204" pitchFamily="34" charset="-120"/>
+              <a:ea typeface="微軟正黑體" panose="020B0604030504040204" pitchFamily="34" charset="-120"/>
+            </a:endParaRPr>
+          </a:p>
+        </p:txBody>
+      </p:sp>
+      <p:sp>
+        <p:nvSpPr>
+          <p:cNvPr id="2" name="矩形 1">
+            <a:extLst>
+              <a:ext uri="{FF2B5EF4-FFF2-40B4-BE49-F238E27FC236}">
+                <a16:creationId xmlns:a16="http://schemas.microsoft.com/office/drawing/2014/main" id="{9F27E136-83E7-4285-F7BD-C626C9F42475}"/>
+              </a:ext>
+            </a:extLst>
+          </p:cNvPr>
+          <p:cNvSpPr/>
+          <p:nvPr/>
+        </p:nvSpPr>
+        <p:spPr>
+          <a:xfrm>
+            <a:off x="2191039" y="5082303"/>
+            <a:ext cx="6747162" cy="630383"/>
+          </a:xfrm>
+          <a:prstGeom prst="rect">
+            <a:avLst/>
+          </a:prstGeom>
+          <a:solidFill>
+            <a:schemeClr val="bg1"/>
+          </a:solidFill>
+        </p:spPr>
+        <p:style>
+          <a:lnRef idx="2">
+            <a:schemeClr val="accent1">
+              <a:shade val="15000"/>
+            </a:schemeClr>
+          </a:lnRef>
+          <a:fillRef idx="1">
+            <a:schemeClr val="accent1"/>
+          </a:fillRef>
+          <a:effectRef idx="0">
+            <a:schemeClr val="accent1"/>
+          </a:effectRef>
+          <a:fontRef idx="minor">
+            <a:schemeClr val="lt1"/>
+          </a:fontRef>
+        </p:style>
+        <p:txBody>
+          <a:bodyPr rtlCol="0" anchor="ctr"/>
+          <a:lstStyle/>
+          <a:p>
+            <a:r>
+              <a:rPr lang="zh-TW" altLang="en-US" sz="1200" dirty="0">
+                <a:solidFill>
+                  <a:schemeClr val="tx1"/>
+                </a:solidFill>
+                <a:latin typeface="微軟正黑體" panose="020B0604030504040204" pitchFamily="34" charset="-120"/>
+                <a:ea typeface="微軟正黑體" panose="020B0604030504040204" pitchFamily="34" charset="-120"/>
+              </a:rPr>
+              <a:t>最後根據 </a:t>
+            </a:r>
+            <a:r>
+              <a:rPr lang="en-US" altLang="zh-TW" sz="1200" dirty="0">
+                <a:solidFill>
+                  <a:schemeClr val="tx1"/>
+                </a:solidFill>
+                <a:latin typeface="微軟正黑體" panose="020B0604030504040204" pitchFamily="34" charset="-120"/>
+                <a:ea typeface="微軟正黑體" panose="020B0604030504040204" pitchFamily="34" charset="-120"/>
+              </a:rPr>
+              <a:t>PC</a:t>
+            </a:r>
+            <a:r>
+              <a:rPr lang="zh-TW" altLang="en-US" sz="1200" dirty="0">
+                <a:solidFill>
+                  <a:schemeClr val="tx1"/>
+                </a:solidFill>
+                <a:latin typeface="微軟正黑體" panose="020B0604030504040204" pitchFamily="34" charset="-120"/>
+                <a:ea typeface="微軟正黑體" panose="020B0604030504040204" pitchFamily="34" charset="-120"/>
+              </a:rPr>
+              <a:t> </a:t>
+            </a:r>
+            <a:r>
+              <a:rPr lang="en-US" altLang="zh-TW" sz="1200" dirty="0">
+                <a:solidFill>
+                  <a:schemeClr val="tx1"/>
+                </a:solidFill>
+                <a:latin typeface="微軟正黑體" panose="020B0604030504040204" pitchFamily="34" charset="-120"/>
+                <a:ea typeface="微軟正黑體" panose="020B0604030504040204" pitchFamily="34" charset="-120"/>
+              </a:rPr>
+              <a:t>cmd </a:t>
+            </a:r>
+            <a:r>
+              <a:rPr lang="zh-TW" altLang="en-US" sz="1200" dirty="0">
+                <a:solidFill>
+                  <a:schemeClr val="tx1"/>
+                </a:solidFill>
+                <a:latin typeface="微軟正黑體" panose="020B0604030504040204" pitchFamily="34" charset="-120"/>
+                <a:ea typeface="微軟正黑體" panose="020B0604030504040204" pitchFamily="34" charset="-120"/>
+              </a:rPr>
+              <a:t>從 </a:t>
+            </a:r>
+            <a:r>
+              <a:rPr lang="en-US" altLang="zh-TW" sz="1200" dirty="0" err="1">
+                <a:solidFill>
+                  <a:schemeClr val="tx1"/>
+                </a:solidFill>
+                <a:latin typeface="微軟正黑體" panose="020B0604030504040204" pitchFamily="34" charset="-120"/>
+                <a:ea typeface="微軟正黑體" panose="020B0604030504040204" pitchFamily="34" charset="-120"/>
+              </a:rPr>
+              <a:t>sensor_cali</a:t>
+            </a:r>
+            <a:r>
+              <a:rPr lang="en-US" altLang="zh-TW" sz="1200" dirty="0">
+                <a:solidFill>
+                  <a:schemeClr val="tx1"/>
+                </a:solidFill>
+                <a:latin typeface="微軟正黑體" panose="020B0604030504040204" pitchFamily="34" charset="-120"/>
+                <a:ea typeface="微軟正黑體" panose="020B0604030504040204" pitchFamily="34" charset="-120"/>
+              </a:rPr>
+              <a:t> </a:t>
+            </a:r>
+            <a:r>
+              <a:rPr lang="zh-TW" altLang="en-US" sz="1200" dirty="0">
+                <a:solidFill>
+                  <a:schemeClr val="tx1"/>
+                </a:solidFill>
+                <a:latin typeface="微軟正黑體" panose="020B0604030504040204" pitchFamily="34" charset="-120"/>
+                <a:ea typeface="微軟正黑體" panose="020B0604030504040204" pitchFamily="34" charset="-120"/>
+              </a:rPr>
+              <a:t>裡挑選要輸出的數據打包並產生</a:t>
+            </a:r>
+            <a:r>
+              <a:rPr lang="en-US" altLang="zh-TW" sz="1200" dirty="0">
+                <a:solidFill>
+                  <a:schemeClr val="tx1"/>
+                </a:solidFill>
+                <a:latin typeface="微軟正黑體" panose="020B0604030504040204" pitchFamily="34" charset="-120"/>
+                <a:ea typeface="微軟正黑體" panose="020B0604030504040204" pitchFamily="34" charset="-120"/>
+              </a:rPr>
+              <a:t>CRC</a:t>
+            </a:r>
+            <a:r>
+              <a:rPr lang="zh-TW" altLang="en-US" sz="1200" dirty="0">
+                <a:solidFill>
+                  <a:schemeClr val="tx1"/>
+                </a:solidFill>
+                <a:latin typeface="微軟正黑體" panose="020B0604030504040204" pitchFamily="34" charset="-120"/>
+                <a:ea typeface="微軟正黑體" panose="020B0604030504040204" pitchFamily="34" charset="-120"/>
+              </a:rPr>
+              <a:t>後對外輸出，同樣只在資料串流啟動時才運行。</a:t>
+            </a:r>
+            <a:endParaRPr lang="zh-TW" altLang="en-US" sz="1200" dirty="0">
+              <a:solidFill>
+                <a:srgbClr val="FF0000"/>
+              </a:solidFill>
+              <a:latin typeface="微軟正黑體" panose="020B0604030504040204" pitchFamily="34" charset="-120"/>
+              <a:ea typeface="微軟正黑體" panose="020B0604030504040204" pitchFamily="34" charset="-120"/>
+            </a:endParaRPr>
           </a:p>
         </p:txBody>
       </p:sp>

--- a/HINS_MCU_V3.0/doc/輸出架構變更.pptx
+++ b/HINS_MCU_V3.0/doc/輸出架構變更.pptx
@@ -262,7 +262,7 @@
           <a:p>
             <a:fld id="{722C1C85-C7A3-47B3-8034-437161E8CB1C}" type="datetimeFigureOut">
               <a:rPr lang="zh-TW" altLang="en-US" smtClean="0"/>
-              <a:t>2025/12/28</a:t>
+              <a:t>2025/12/30</a:t>
             </a:fld>
             <a:endParaRPr lang="zh-TW" altLang="en-US"/>
           </a:p>
@@ -460,7 +460,7 @@
           <a:p>
             <a:fld id="{722C1C85-C7A3-47B3-8034-437161E8CB1C}" type="datetimeFigureOut">
               <a:rPr lang="zh-TW" altLang="en-US" smtClean="0"/>
-              <a:t>2025/12/28</a:t>
+              <a:t>2025/12/30</a:t>
             </a:fld>
             <a:endParaRPr lang="zh-TW" altLang="en-US"/>
           </a:p>
@@ -668,7 +668,7 @@
           <a:p>
             <a:fld id="{722C1C85-C7A3-47B3-8034-437161E8CB1C}" type="datetimeFigureOut">
               <a:rPr lang="zh-TW" altLang="en-US" smtClean="0"/>
-              <a:t>2025/12/28</a:t>
+              <a:t>2025/12/30</a:t>
             </a:fld>
             <a:endParaRPr lang="zh-TW" altLang="en-US"/>
           </a:p>
@@ -866,7 +866,7 @@
           <a:p>
             <a:fld id="{722C1C85-C7A3-47B3-8034-437161E8CB1C}" type="datetimeFigureOut">
               <a:rPr lang="zh-TW" altLang="en-US" smtClean="0"/>
-              <a:t>2025/12/28</a:t>
+              <a:t>2025/12/30</a:t>
             </a:fld>
             <a:endParaRPr lang="zh-TW" altLang="en-US"/>
           </a:p>
@@ -1141,7 +1141,7 @@
           <a:p>
             <a:fld id="{722C1C85-C7A3-47B3-8034-437161E8CB1C}" type="datetimeFigureOut">
               <a:rPr lang="zh-TW" altLang="en-US" smtClean="0"/>
-              <a:t>2025/12/28</a:t>
+              <a:t>2025/12/30</a:t>
             </a:fld>
             <a:endParaRPr lang="zh-TW" altLang="en-US"/>
           </a:p>
@@ -1406,7 +1406,7 @@
           <a:p>
             <a:fld id="{722C1C85-C7A3-47B3-8034-437161E8CB1C}" type="datetimeFigureOut">
               <a:rPr lang="zh-TW" altLang="en-US" smtClean="0"/>
-              <a:t>2025/12/28</a:t>
+              <a:t>2025/12/30</a:t>
             </a:fld>
             <a:endParaRPr lang="zh-TW" altLang="en-US"/>
           </a:p>
@@ -1818,7 +1818,7 @@
           <a:p>
             <a:fld id="{722C1C85-C7A3-47B3-8034-437161E8CB1C}" type="datetimeFigureOut">
               <a:rPr lang="zh-TW" altLang="en-US" smtClean="0"/>
-              <a:t>2025/12/28</a:t>
+              <a:t>2025/12/30</a:t>
             </a:fld>
             <a:endParaRPr lang="zh-TW" altLang="en-US"/>
           </a:p>
@@ -1959,7 +1959,7 @@
           <a:p>
             <a:fld id="{722C1C85-C7A3-47B3-8034-437161E8CB1C}" type="datetimeFigureOut">
               <a:rPr lang="zh-TW" altLang="en-US" smtClean="0"/>
-              <a:t>2025/12/28</a:t>
+              <a:t>2025/12/30</a:t>
             </a:fld>
             <a:endParaRPr lang="zh-TW" altLang="en-US"/>
           </a:p>
@@ -2072,7 +2072,7 @@
           <a:p>
             <a:fld id="{722C1C85-C7A3-47B3-8034-437161E8CB1C}" type="datetimeFigureOut">
               <a:rPr lang="zh-TW" altLang="en-US" smtClean="0"/>
-              <a:t>2025/12/28</a:t>
+              <a:t>2025/12/30</a:t>
             </a:fld>
             <a:endParaRPr lang="zh-TW" altLang="en-US"/>
           </a:p>
@@ -2383,7 +2383,7 @@
           <a:p>
             <a:fld id="{722C1C85-C7A3-47B3-8034-437161E8CB1C}" type="datetimeFigureOut">
               <a:rPr lang="zh-TW" altLang="en-US" smtClean="0"/>
-              <a:t>2025/12/28</a:t>
+              <a:t>2025/12/30</a:t>
             </a:fld>
             <a:endParaRPr lang="zh-TW" altLang="en-US"/>
           </a:p>
@@ -2671,7 +2671,7 @@
           <a:p>
             <a:fld id="{722C1C85-C7A3-47B3-8034-437161E8CB1C}" type="datetimeFigureOut">
               <a:rPr lang="zh-TW" altLang="en-US" smtClean="0"/>
-              <a:t>2025/12/28</a:t>
+              <a:t>2025/12/30</a:t>
             </a:fld>
             <a:endParaRPr lang="zh-TW" altLang="en-US"/>
           </a:p>
@@ -2912,7 +2912,7 @@
           <a:p>
             <a:fld id="{722C1C85-C7A3-47B3-8034-437161E8CB1C}" type="datetimeFigureOut">
               <a:rPr lang="zh-TW" altLang="en-US" smtClean="0"/>
-              <a:t>2025/12/28</a:t>
+              <a:t>2025/12/30</a:t>
             </a:fld>
             <a:endParaRPr lang="zh-TW" altLang="en-US"/>
           </a:p>
@@ -4801,6 +4801,1676 @@
           <a:chExt cx="0" cy="0"/>
         </a:xfrm>
       </p:grpSpPr>
+      <p:grpSp>
+        <p:nvGrpSpPr>
+          <p:cNvPr id="19" name="群組 18">
+            <a:extLst>
+              <a:ext uri="{FF2B5EF4-FFF2-40B4-BE49-F238E27FC236}">
+                <a16:creationId xmlns:a16="http://schemas.microsoft.com/office/drawing/2014/main" id="{3EE546AD-B609-1A2D-5A3F-506C7B37B001}"/>
+              </a:ext>
+            </a:extLst>
+          </p:cNvPr>
+          <p:cNvGrpSpPr/>
+          <p:nvPr/>
+        </p:nvGrpSpPr>
+        <p:grpSpPr>
+          <a:xfrm>
+            <a:off x="268357" y="1043608"/>
+            <a:ext cx="7678664" cy="3359427"/>
+            <a:chOff x="556591" y="1113182"/>
+            <a:chExt cx="7678664" cy="3359427"/>
+          </a:xfrm>
+        </p:grpSpPr>
+        <p:sp>
+          <p:nvSpPr>
+            <p:cNvPr id="2" name="矩形 1">
+              <a:extLst>
+                <a:ext uri="{FF2B5EF4-FFF2-40B4-BE49-F238E27FC236}">
+                  <a16:creationId xmlns:a16="http://schemas.microsoft.com/office/drawing/2014/main" id="{8F25CEC3-C8B8-4CEA-325B-B92F621B6F1B}"/>
+                </a:ext>
+              </a:extLst>
+            </p:cNvPr>
+            <p:cNvSpPr/>
+            <p:nvPr/>
+          </p:nvSpPr>
+          <p:spPr>
+            <a:xfrm>
+              <a:off x="556591" y="2156791"/>
+              <a:ext cx="2017643" cy="1500809"/>
+            </a:xfrm>
+            <a:prstGeom prst="rect">
+              <a:avLst/>
+            </a:prstGeom>
+            <a:solidFill>
+              <a:schemeClr val="bg1"/>
+            </a:solidFill>
+          </p:spPr>
+          <p:style>
+            <a:lnRef idx="2">
+              <a:schemeClr val="accent1">
+                <a:shade val="15000"/>
+              </a:schemeClr>
+            </a:lnRef>
+            <a:fillRef idx="1">
+              <a:schemeClr val="accent1"/>
+            </a:fillRef>
+            <a:effectRef idx="0">
+              <a:schemeClr val="accent1"/>
+            </a:effectRef>
+            <a:fontRef idx="minor">
+              <a:schemeClr val="lt1"/>
+            </a:fontRef>
+          </p:style>
+          <p:txBody>
+            <a:bodyPr rtlCol="0" anchor="ctr"/>
+            <a:lstStyle/>
+            <a:p>
+              <a:pPr algn="ctr"/>
+              <a:r>
+                <a:rPr lang="en-US" altLang="zh-TW" dirty="0">
+                  <a:solidFill>
+                    <a:schemeClr val="tx1"/>
+                  </a:solidFill>
+                </a:rPr>
+                <a:t>FPGA</a:t>
+              </a:r>
+              <a:endParaRPr lang="zh-TW" altLang="en-US" dirty="0">
+                <a:solidFill>
+                  <a:schemeClr val="tx1"/>
+                </a:solidFill>
+              </a:endParaRPr>
+            </a:p>
+          </p:txBody>
+        </p:sp>
+        <p:sp>
+          <p:nvSpPr>
+            <p:cNvPr id="3" name="矩形 2">
+              <a:extLst>
+                <a:ext uri="{FF2B5EF4-FFF2-40B4-BE49-F238E27FC236}">
+                  <a16:creationId xmlns:a16="http://schemas.microsoft.com/office/drawing/2014/main" id="{67129C9E-B3B2-7534-68FE-0B378278D3D9}"/>
+                </a:ext>
+              </a:extLst>
+            </p:cNvPr>
+            <p:cNvSpPr/>
+            <p:nvPr/>
+          </p:nvSpPr>
+          <p:spPr>
+            <a:xfrm>
+              <a:off x="6217612" y="2156790"/>
+              <a:ext cx="2017643" cy="1500809"/>
+            </a:xfrm>
+            <a:prstGeom prst="rect">
+              <a:avLst/>
+            </a:prstGeom>
+            <a:solidFill>
+              <a:schemeClr val="bg1"/>
+            </a:solidFill>
+          </p:spPr>
+          <p:style>
+            <a:lnRef idx="2">
+              <a:schemeClr val="accent1">
+                <a:shade val="15000"/>
+              </a:schemeClr>
+            </a:lnRef>
+            <a:fillRef idx="1">
+              <a:schemeClr val="accent1"/>
+            </a:fillRef>
+            <a:effectRef idx="0">
+              <a:schemeClr val="accent1"/>
+            </a:effectRef>
+            <a:fontRef idx="minor">
+              <a:schemeClr val="lt1"/>
+            </a:fontRef>
+          </p:style>
+          <p:txBody>
+            <a:bodyPr rtlCol="0" anchor="ctr"/>
+            <a:lstStyle/>
+            <a:p>
+              <a:pPr algn="ctr"/>
+              <a:r>
+                <a:rPr lang="en-US" altLang="zh-TW" dirty="0">
+                  <a:solidFill>
+                    <a:schemeClr val="tx1"/>
+                  </a:solidFill>
+                </a:rPr>
+                <a:t>MCU</a:t>
+              </a:r>
+              <a:endParaRPr lang="zh-TW" altLang="en-US" dirty="0">
+                <a:solidFill>
+                  <a:schemeClr val="tx1"/>
+                </a:solidFill>
+              </a:endParaRPr>
+            </a:p>
+          </p:txBody>
+        </p:sp>
+        <p:sp>
+          <p:nvSpPr>
+            <p:cNvPr id="4" name="文字方塊 3">
+              <a:extLst>
+                <a:ext uri="{FF2B5EF4-FFF2-40B4-BE49-F238E27FC236}">
+                  <a16:creationId xmlns:a16="http://schemas.microsoft.com/office/drawing/2014/main" id="{8BCE1776-3B99-27C8-E1EF-C3842E368843}"/>
+                </a:ext>
+              </a:extLst>
+            </p:cNvPr>
+            <p:cNvSpPr txBox="1"/>
+            <p:nvPr/>
+          </p:nvSpPr>
+          <p:spPr>
+            <a:xfrm>
+              <a:off x="3640882" y="3850581"/>
+              <a:ext cx="1679713" cy="369332"/>
+            </a:xfrm>
+            <a:prstGeom prst="rect">
+              <a:avLst/>
+            </a:prstGeom>
+            <a:noFill/>
+          </p:spPr>
+          <p:txBody>
+            <a:bodyPr wrap="square" rtlCol="0">
+              <a:spAutoFit/>
+            </a:bodyPr>
+            <a:lstStyle/>
+            <a:p>
+              <a:r>
+                <a:rPr lang="en-US" altLang="zh-TW" dirty="0"/>
+                <a:t>Data rate cmd</a:t>
+              </a:r>
+              <a:endParaRPr lang="zh-TW" altLang="en-US" dirty="0"/>
+            </a:p>
+          </p:txBody>
+        </p:sp>
+        <p:sp>
+          <p:nvSpPr>
+            <p:cNvPr id="5" name="手繪多邊形: 圖案 4">
+              <a:extLst>
+                <a:ext uri="{FF2B5EF4-FFF2-40B4-BE49-F238E27FC236}">
+                  <a16:creationId xmlns:a16="http://schemas.microsoft.com/office/drawing/2014/main" id="{0357AB3B-FE25-D83D-881B-93D4452F7160}"/>
+                </a:ext>
+              </a:extLst>
+            </p:cNvPr>
+            <p:cNvSpPr/>
+            <p:nvPr/>
+          </p:nvSpPr>
+          <p:spPr>
+            <a:xfrm>
+              <a:off x="2544417" y="3657599"/>
+              <a:ext cx="3634510" cy="815010"/>
+            </a:xfrm>
+            <a:custGeom>
+              <a:avLst/>
+              <a:gdLst>
+                <a:gd name="csX0" fmla="*/ 2733261 w 2733261"/>
+                <a:gd name="csY0" fmla="*/ 39757 h 735496"/>
+                <a:gd name="csX1" fmla="*/ 2683566 w 2733261"/>
+                <a:gd name="csY1" fmla="*/ 188844 h 735496"/>
+                <a:gd name="csX2" fmla="*/ 2564296 w 2733261"/>
+                <a:gd name="csY2" fmla="*/ 337930 h 735496"/>
+                <a:gd name="csX3" fmla="*/ 2286000 w 2733261"/>
+                <a:gd name="csY3" fmla="*/ 546652 h 735496"/>
+                <a:gd name="csX4" fmla="*/ 2176670 w 2733261"/>
+                <a:gd name="csY4" fmla="*/ 596348 h 735496"/>
+                <a:gd name="csX5" fmla="*/ 2067340 w 2733261"/>
+                <a:gd name="csY5" fmla="*/ 665922 h 735496"/>
+                <a:gd name="csX6" fmla="*/ 1967948 w 2733261"/>
+                <a:gd name="csY6" fmla="*/ 685800 h 735496"/>
+                <a:gd name="csX7" fmla="*/ 1759226 w 2733261"/>
+                <a:gd name="csY7" fmla="*/ 735496 h 735496"/>
+                <a:gd name="csX8" fmla="*/ 1361661 w 2733261"/>
+                <a:gd name="csY8" fmla="*/ 725557 h 735496"/>
+                <a:gd name="csX9" fmla="*/ 1272209 w 2733261"/>
+                <a:gd name="csY9" fmla="*/ 685800 h 735496"/>
+                <a:gd name="csX10" fmla="*/ 1143000 w 2733261"/>
+                <a:gd name="csY10" fmla="*/ 665922 h 735496"/>
+                <a:gd name="csX11" fmla="*/ 934279 w 2733261"/>
+                <a:gd name="csY11" fmla="*/ 596348 h 735496"/>
+                <a:gd name="csX12" fmla="*/ 844826 w 2733261"/>
+                <a:gd name="csY12" fmla="*/ 566530 h 735496"/>
+                <a:gd name="csX13" fmla="*/ 596348 w 2733261"/>
+                <a:gd name="csY13" fmla="*/ 496957 h 735496"/>
+                <a:gd name="csX14" fmla="*/ 467140 w 2733261"/>
+                <a:gd name="csY14" fmla="*/ 427383 h 735496"/>
+                <a:gd name="csX15" fmla="*/ 357809 w 2733261"/>
+                <a:gd name="csY15" fmla="*/ 377687 h 735496"/>
+                <a:gd name="csX16" fmla="*/ 168966 w 2733261"/>
+                <a:gd name="csY16" fmla="*/ 188844 h 735496"/>
+                <a:gd name="csX17" fmla="*/ 149087 w 2733261"/>
+                <a:gd name="csY17" fmla="*/ 159026 h 735496"/>
+                <a:gd name="csX18" fmla="*/ 89453 w 2733261"/>
+                <a:gd name="csY18" fmla="*/ 99391 h 735496"/>
+                <a:gd name="csX19" fmla="*/ 69574 w 2733261"/>
+                <a:gd name="csY19" fmla="*/ 79513 h 735496"/>
+                <a:gd name="csX20" fmla="*/ 39757 w 2733261"/>
+                <a:gd name="csY20" fmla="*/ 49696 h 735496"/>
+                <a:gd name="csX21" fmla="*/ 9940 w 2733261"/>
+                <a:gd name="csY21" fmla="*/ 29817 h 735496"/>
+                <a:gd name="csX22" fmla="*/ 0 w 2733261"/>
+                <a:gd name="csY22" fmla="*/ 0 h 735496"/>
+              </a:gdLst>
+              <a:ahLst/>
+              <a:cxnLst>
+                <a:cxn ang="0">
+                  <a:pos x="csX0" y="csY0"/>
+                </a:cxn>
+                <a:cxn ang="0">
+                  <a:pos x="csX1" y="csY1"/>
+                </a:cxn>
+                <a:cxn ang="0">
+                  <a:pos x="csX2" y="csY2"/>
+                </a:cxn>
+                <a:cxn ang="0">
+                  <a:pos x="csX3" y="csY3"/>
+                </a:cxn>
+                <a:cxn ang="0">
+                  <a:pos x="csX4" y="csY4"/>
+                </a:cxn>
+                <a:cxn ang="0">
+                  <a:pos x="csX5" y="csY5"/>
+                </a:cxn>
+                <a:cxn ang="0">
+                  <a:pos x="csX6" y="csY6"/>
+                </a:cxn>
+                <a:cxn ang="0">
+                  <a:pos x="csX7" y="csY7"/>
+                </a:cxn>
+                <a:cxn ang="0">
+                  <a:pos x="csX8" y="csY8"/>
+                </a:cxn>
+                <a:cxn ang="0">
+                  <a:pos x="csX9" y="csY9"/>
+                </a:cxn>
+                <a:cxn ang="0">
+                  <a:pos x="csX10" y="csY10"/>
+                </a:cxn>
+                <a:cxn ang="0">
+                  <a:pos x="csX11" y="csY11"/>
+                </a:cxn>
+                <a:cxn ang="0">
+                  <a:pos x="csX12" y="csY12"/>
+                </a:cxn>
+                <a:cxn ang="0">
+                  <a:pos x="csX13" y="csY13"/>
+                </a:cxn>
+                <a:cxn ang="0">
+                  <a:pos x="csX14" y="csY14"/>
+                </a:cxn>
+                <a:cxn ang="0">
+                  <a:pos x="csX15" y="csY15"/>
+                </a:cxn>
+                <a:cxn ang="0">
+                  <a:pos x="csX16" y="csY16"/>
+                </a:cxn>
+                <a:cxn ang="0">
+                  <a:pos x="csX17" y="csY17"/>
+                </a:cxn>
+                <a:cxn ang="0">
+                  <a:pos x="csX18" y="csY18"/>
+                </a:cxn>
+                <a:cxn ang="0">
+                  <a:pos x="csX19" y="csY19"/>
+                </a:cxn>
+                <a:cxn ang="0">
+                  <a:pos x="csX20" y="csY20"/>
+                </a:cxn>
+                <a:cxn ang="0">
+                  <a:pos x="csX21" y="csY21"/>
+                </a:cxn>
+                <a:cxn ang="0">
+                  <a:pos x="csX22" y="csY22"/>
+                </a:cxn>
+              </a:cxnLst>
+              <a:rect l="l" t="t" r="r" b="b"/>
+              <a:pathLst>
+                <a:path w="2733261" h="735496">
+                  <a:moveTo>
+                    <a:pt x="2733261" y="39757"/>
+                  </a:moveTo>
+                  <a:cubicBezTo>
+                    <a:pt x="2716696" y="89453"/>
+                    <a:pt x="2705243" y="141156"/>
+                    <a:pt x="2683566" y="188844"/>
+                  </a:cubicBezTo>
+                  <a:cubicBezTo>
+                    <a:pt x="2668689" y="221573"/>
+                    <a:pt x="2584314" y="317912"/>
+                    <a:pt x="2564296" y="337930"/>
+                  </a:cubicBezTo>
+                  <a:cubicBezTo>
+                    <a:pt x="2500687" y="401539"/>
+                    <a:pt x="2337317" y="523326"/>
+                    <a:pt x="2286000" y="546652"/>
+                  </a:cubicBezTo>
+                  <a:cubicBezTo>
+                    <a:pt x="2249557" y="563217"/>
+                    <a:pt x="2211813" y="577179"/>
+                    <a:pt x="2176670" y="596348"/>
+                  </a:cubicBezTo>
+                  <a:cubicBezTo>
+                    <a:pt x="2138748" y="617033"/>
+                    <a:pt x="2109698" y="657451"/>
+                    <a:pt x="2067340" y="665922"/>
+                  </a:cubicBezTo>
+                  <a:cubicBezTo>
+                    <a:pt x="2034209" y="672548"/>
+                    <a:pt x="2000905" y="678358"/>
+                    <a:pt x="1967948" y="685800"/>
+                  </a:cubicBezTo>
+                  <a:cubicBezTo>
+                    <a:pt x="1898186" y="701553"/>
+                    <a:pt x="1759226" y="735496"/>
+                    <a:pt x="1759226" y="735496"/>
+                  </a:cubicBezTo>
+                  <a:cubicBezTo>
+                    <a:pt x="1626704" y="732183"/>
+                    <a:pt x="1493539" y="739014"/>
+                    <a:pt x="1361661" y="725557"/>
+                  </a:cubicBezTo>
+                  <a:cubicBezTo>
+                    <a:pt x="1329200" y="722245"/>
+                    <a:pt x="1303689" y="694385"/>
+                    <a:pt x="1272209" y="685800"/>
+                  </a:cubicBezTo>
+                  <a:cubicBezTo>
+                    <a:pt x="1230168" y="674334"/>
+                    <a:pt x="1186070" y="672548"/>
+                    <a:pt x="1143000" y="665922"/>
+                  </a:cubicBezTo>
+                  <a:lnTo>
+                    <a:pt x="934279" y="596348"/>
+                  </a:lnTo>
+                  <a:cubicBezTo>
+                    <a:pt x="904461" y="586409"/>
+                    <a:pt x="875559" y="573116"/>
+                    <a:pt x="844826" y="566530"/>
+                  </a:cubicBezTo>
+                  <a:cubicBezTo>
+                    <a:pt x="740819" y="544243"/>
+                    <a:pt x="690534" y="540125"/>
+                    <a:pt x="596348" y="496957"/>
+                  </a:cubicBezTo>
+                  <a:cubicBezTo>
+                    <a:pt x="551880" y="476576"/>
+                    <a:pt x="510892" y="449259"/>
+                    <a:pt x="467140" y="427383"/>
+                  </a:cubicBezTo>
+                  <a:cubicBezTo>
+                    <a:pt x="431334" y="409480"/>
+                    <a:pt x="392454" y="397744"/>
+                    <a:pt x="357809" y="377687"/>
+                  </a:cubicBezTo>
+                  <a:cubicBezTo>
+                    <a:pt x="282829" y="334278"/>
+                    <a:pt x="215115" y="258066"/>
+                    <a:pt x="168966" y="188844"/>
+                  </a:cubicBezTo>
+                  <a:cubicBezTo>
+                    <a:pt x="162340" y="178905"/>
+                    <a:pt x="157023" y="167954"/>
+                    <a:pt x="149087" y="159026"/>
+                  </a:cubicBezTo>
+                  <a:cubicBezTo>
+                    <a:pt x="130411" y="138015"/>
+                    <a:pt x="109331" y="119269"/>
+                    <a:pt x="89453" y="99391"/>
+                  </a:cubicBezTo>
+                  <a:lnTo>
+                    <a:pt x="69574" y="79513"/>
+                  </a:lnTo>
+                  <a:cubicBezTo>
+                    <a:pt x="59635" y="69574"/>
+                    <a:pt x="51452" y="57493"/>
+                    <a:pt x="39757" y="49696"/>
+                  </a:cubicBezTo>
+                  <a:lnTo>
+                    <a:pt x="9940" y="29817"/>
+                  </a:lnTo>
+                  <a:lnTo>
+                    <a:pt x="0" y="0"/>
+                  </a:lnTo>
+                </a:path>
+              </a:pathLst>
+            </a:custGeom>
+            <a:noFill/>
+            <a:ln>
+              <a:headEnd type="none" w="med" len="med"/>
+              <a:tailEnd type="triangle" w="med" len="med"/>
+            </a:ln>
+          </p:spPr>
+          <p:style>
+            <a:lnRef idx="2">
+              <a:schemeClr val="accent1">
+                <a:shade val="15000"/>
+              </a:schemeClr>
+            </a:lnRef>
+            <a:fillRef idx="1">
+              <a:schemeClr val="accent1"/>
+            </a:fillRef>
+            <a:effectRef idx="0">
+              <a:schemeClr val="accent1"/>
+            </a:effectRef>
+            <a:fontRef idx="minor">
+              <a:schemeClr val="lt1"/>
+            </a:fontRef>
+          </p:style>
+          <p:txBody>
+            <a:bodyPr rtlCol="0" anchor="ctr"/>
+            <a:lstStyle/>
+            <a:p>
+              <a:pPr algn="ctr"/>
+              <a:endParaRPr lang="zh-TW" altLang="en-US"/>
+            </a:p>
+          </p:txBody>
+        </p:sp>
+        <p:grpSp>
+          <p:nvGrpSpPr>
+            <p:cNvPr id="12" name="群組 11">
+              <a:extLst>
+                <a:ext uri="{FF2B5EF4-FFF2-40B4-BE49-F238E27FC236}">
+                  <a16:creationId xmlns:a16="http://schemas.microsoft.com/office/drawing/2014/main" id="{B0BA7926-ED45-70DD-9925-12AAD355C3F5}"/>
+                </a:ext>
+              </a:extLst>
+            </p:cNvPr>
+            <p:cNvGrpSpPr/>
+            <p:nvPr/>
+          </p:nvGrpSpPr>
+          <p:grpSpPr>
+            <a:xfrm>
+              <a:off x="2426119" y="1113182"/>
+              <a:ext cx="3548270" cy="2007705"/>
+              <a:chOff x="2200166" y="308113"/>
+              <a:chExt cx="3548270" cy="2007705"/>
+            </a:xfrm>
+          </p:grpSpPr>
+          <p:sp>
+            <p:nvSpPr>
+              <p:cNvPr id="6" name="手繪多邊形: 圖案 5">
+                <a:extLst>
+                  <a:ext uri="{FF2B5EF4-FFF2-40B4-BE49-F238E27FC236}">
+                    <a16:creationId xmlns:a16="http://schemas.microsoft.com/office/drawing/2014/main" id="{91F15466-C51D-8953-4D1A-9832D554FF95}"/>
+                  </a:ext>
+                </a:extLst>
+              </p:cNvPr>
+              <p:cNvSpPr/>
+              <p:nvPr/>
+            </p:nvSpPr>
+            <p:spPr>
+              <a:xfrm>
+                <a:off x="2200166" y="741096"/>
+                <a:ext cx="3548270" cy="505238"/>
+              </a:xfrm>
+              <a:custGeom>
+                <a:avLst/>
+                <a:gdLst>
+                  <a:gd name="csX0" fmla="*/ 0 w 3548270"/>
+                  <a:gd name="csY0" fmla="*/ 382026 h 505238"/>
+                  <a:gd name="csX1" fmla="*/ 159026 w 3548270"/>
+                  <a:gd name="csY1" fmla="*/ 391965 h 505238"/>
+                  <a:gd name="csX2" fmla="*/ 238539 w 3548270"/>
+                  <a:gd name="csY2" fmla="*/ 401904 h 505238"/>
+                  <a:gd name="csX3" fmla="*/ 327991 w 3548270"/>
+                  <a:gd name="csY3" fmla="*/ 411843 h 505238"/>
+                  <a:gd name="csX4" fmla="*/ 397565 w 3548270"/>
+                  <a:gd name="csY4" fmla="*/ 401904 h 505238"/>
+                  <a:gd name="csX5" fmla="*/ 417444 w 3548270"/>
+                  <a:gd name="csY5" fmla="*/ 282635 h 505238"/>
+                  <a:gd name="csX6" fmla="*/ 427383 w 3548270"/>
+                  <a:gd name="csY6" fmla="*/ 242878 h 505238"/>
+                  <a:gd name="csX7" fmla="*/ 437322 w 3548270"/>
+                  <a:gd name="csY7" fmla="*/ 173304 h 505238"/>
+                  <a:gd name="csX8" fmla="*/ 447261 w 3548270"/>
+                  <a:gd name="csY8" fmla="*/ 14278 h 505238"/>
+                  <a:gd name="csX9" fmla="*/ 844826 w 3548270"/>
+                  <a:gd name="csY9" fmla="*/ 44095 h 505238"/>
+                  <a:gd name="csX10" fmla="*/ 884583 w 3548270"/>
+                  <a:gd name="csY10" fmla="*/ 193182 h 505238"/>
+                  <a:gd name="csX11" fmla="*/ 894522 w 3548270"/>
+                  <a:gd name="csY11" fmla="*/ 252817 h 505238"/>
+                  <a:gd name="csX12" fmla="*/ 904461 w 3548270"/>
+                  <a:gd name="csY12" fmla="*/ 411843 h 505238"/>
+                  <a:gd name="csX13" fmla="*/ 914400 w 3548270"/>
+                  <a:gd name="csY13" fmla="*/ 441661 h 505238"/>
+                  <a:gd name="csX14" fmla="*/ 983974 w 3548270"/>
+                  <a:gd name="csY14" fmla="*/ 451600 h 505238"/>
+                  <a:gd name="csX15" fmla="*/ 1143000 w 3548270"/>
+                  <a:gd name="csY15" fmla="*/ 481417 h 505238"/>
+                  <a:gd name="csX16" fmla="*/ 1262270 w 3548270"/>
+                  <a:gd name="csY16" fmla="*/ 491356 h 505238"/>
+                  <a:gd name="csX17" fmla="*/ 1341783 w 3548270"/>
+                  <a:gd name="csY17" fmla="*/ 501295 h 505238"/>
+                  <a:gd name="csX18" fmla="*/ 1421296 w 3548270"/>
+                  <a:gd name="csY18" fmla="*/ 491356 h 505238"/>
+                  <a:gd name="csX19" fmla="*/ 1431235 w 3548270"/>
+                  <a:gd name="csY19" fmla="*/ 44095 h 505238"/>
+                  <a:gd name="csX20" fmla="*/ 1928191 w 3548270"/>
+                  <a:gd name="csY20" fmla="*/ 63974 h 505238"/>
+                  <a:gd name="csX21" fmla="*/ 1967948 w 3548270"/>
+                  <a:gd name="csY21" fmla="*/ 232939 h 505238"/>
+                  <a:gd name="csX22" fmla="*/ 1977887 w 3548270"/>
+                  <a:gd name="csY22" fmla="*/ 451600 h 505238"/>
+                  <a:gd name="csX23" fmla="*/ 2315817 w 3548270"/>
+                  <a:gd name="csY23" fmla="*/ 461539 h 505238"/>
+                  <a:gd name="csX24" fmla="*/ 2484783 w 3548270"/>
+                  <a:gd name="csY24" fmla="*/ 73913 h 505238"/>
+                  <a:gd name="csX25" fmla="*/ 2623930 w 3548270"/>
+                  <a:gd name="csY25" fmla="*/ 83852 h 505238"/>
+                  <a:gd name="csX26" fmla="*/ 3061252 w 3548270"/>
+                  <a:gd name="csY26" fmla="*/ 93791 h 505238"/>
+                  <a:gd name="csX27" fmla="*/ 3071191 w 3548270"/>
+                  <a:gd name="csY27" fmla="*/ 143487 h 505238"/>
+                  <a:gd name="csX28" fmla="*/ 3051313 w 3548270"/>
+                  <a:gd name="csY28" fmla="*/ 391965 h 505238"/>
+                  <a:gd name="csX29" fmla="*/ 3061252 w 3548270"/>
+                  <a:gd name="csY29" fmla="*/ 481417 h 505238"/>
+                  <a:gd name="csX30" fmla="*/ 3478696 w 3548270"/>
+                  <a:gd name="csY30" fmla="*/ 461539 h 505238"/>
+                  <a:gd name="csX31" fmla="*/ 3548270 w 3548270"/>
+                  <a:gd name="csY31" fmla="*/ 451600 h 505238"/>
+                </a:gdLst>
+                <a:ahLst/>
+                <a:cxnLst>
+                  <a:cxn ang="0">
+                    <a:pos x="csX0" y="csY0"/>
+                  </a:cxn>
+                  <a:cxn ang="0">
+                    <a:pos x="csX1" y="csY1"/>
+                  </a:cxn>
+                  <a:cxn ang="0">
+                    <a:pos x="csX2" y="csY2"/>
+                  </a:cxn>
+                  <a:cxn ang="0">
+                    <a:pos x="csX3" y="csY3"/>
+                  </a:cxn>
+                  <a:cxn ang="0">
+                    <a:pos x="csX4" y="csY4"/>
+                  </a:cxn>
+                  <a:cxn ang="0">
+                    <a:pos x="csX5" y="csY5"/>
+                  </a:cxn>
+                  <a:cxn ang="0">
+                    <a:pos x="csX6" y="csY6"/>
+                  </a:cxn>
+                  <a:cxn ang="0">
+                    <a:pos x="csX7" y="csY7"/>
+                  </a:cxn>
+                  <a:cxn ang="0">
+                    <a:pos x="csX8" y="csY8"/>
+                  </a:cxn>
+                  <a:cxn ang="0">
+                    <a:pos x="csX9" y="csY9"/>
+                  </a:cxn>
+                  <a:cxn ang="0">
+                    <a:pos x="csX10" y="csY10"/>
+                  </a:cxn>
+                  <a:cxn ang="0">
+                    <a:pos x="csX11" y="csY11"/>
+                  </a:cxn>
+                  <a:cxn ang="0">
+                    <a:pos x="csX12" y="csY12"/>
+                  </a:cxn>
+                  <a:cxn ang="0">
+                    <a:pos x="csX13" y="csY13"/>
+                  </a:cxn>
+                  <a:cxn ang="0">
+                    <a:pos x="csX14" y="csY14"/>
+                  </a:cxn>
+                  <a:cxn ang="0">
+                    <a:pos x="csX15" y="csY15"/>
+                  </a:cxn>
+                  <a:cxn ang="0">
+                    <a:pos x="csX16" y="csY16"/>
+                  </a:cxn>
+                  <a:cxn ang="0">
+                    <a:pos x="csX17" y="csY17"/>
+                  </a:cxn>
+                  <a:cxn ang="0">
+                    <a:pos x="csX18" y="csY18"/>
+                  </a:cxn>
+                  <a:cxn ang="0">
+                    <a:pos x="csX19" y="csY19"/>
+                  </a:cxn>
+                  <a:cxn ang="0">
+                    <a:pos x="csX20" y="csY20"/>
+                  </a:cxn>
+                  <a:cxn ang="0">
+                    <a:pos x="csX21" y="csY21"/>
+                  </a:cxn>
+                  <a:cxn ang="0">
+                    <a:pos x="csX22" y="csY22"/>
+                  </a:cxn>
+                  <a:cxn ang="0">
+                    <a:pos x="csX23" y="csY23"/>
+                  </a:cxn>
+                  <a:cxn ang="0">
+                    <a:pos x="csX24" y="csY24"/>
+                  </a:cxn>
+                  <a:cxn ang="0">
+                    <a:pos x="csX25" y="csY25"/>
+                  </a:cxn>
+                  <a:cxn ang="0">
+                    <a:pos x="csX26" y="csY26"/>
+                  </a:cxn>
+                  <a:cxn ang="0">
+                    <a:pos x="csX27" y="csY27"/>
+                  </a:cxn>
+                  <a:cxn ang="0">
+                    <a:pos x="csX28" y="csY28"/>
+                  </a:cxn>
+                  <a:cxn ang="0">
+                    <a:pos x="csX29" y="csY29"/>
+                  </a:cxn>
+                  <a:cxn ang="0">
+                    <a:pos x="csX30" y="csY30"/>
+                  </a:cxn>
+                  <a:cxn ang="0">
+                    <a:pos x="csX31" y="csY31"/>
+                  </a:cxn>
+                </a:cxnLst>
+                <a:rect l="l" t="t" r="r" b="b"/>
+                <a:pathLst>
+                  <a:path w="3548270" h="505238">
+                    <a:moveTo>
+                      <a:pt x="0" y="382026"/>
+                    </a:moveTo>
+                    <a:cubicBezTo>
+                      <a:pt x="53009" y="385339"/>
+                      <a:pt x="106097" y="387554"/>
+                      <a:pt x="159026" y="391965"/>
+                    </a:cubicBezTo>
+                    <a:cubicBezTo>
+                      <a:pt x="185644" y="394183"/>
+                      <a:pt x="212011" y="398783"/>
+                      <a:pt x="238539" y="401904"/>
+                    </a:cubicBezTo>
+                    <a:lnTo>
+                      <a:pt x="327991" y="411843"/>
+                    </a:lnTo>
+                    <a:cubicBezTo>
+                      <a:pt x="351182" y="408530"/>
+                      <a:pt x="384230" y="421165"/>
+                      <a:pt x="397565" y="401904"/>
+                    </a:cubicBezTo>
+                    <a:cubicBezTo>
+                      <a:pt x="420507" y="368766"/>
+                      <a:pt x="407669" y="321736"/>
+                      <a:pt x="417444" y="282635"/>
+                    </a:cubicBezTo>
+                    <a:cubicBezTo>
+                      <a:pt x="420757" y="269383"/>
+                      <a:pt x="424939" y="256318"/>
+                      <a:pt x="427383" y="242878"/>
+                    </a:cubicBezTo>
+                    <a:cubicBezTo>
+                      <a:pt x="431574" y="219829"/>
+                      <a:pt x="434009" y="196495"/>
+                      <a:pt x="437322" y="173304"/>
+                    </a:cubicBezTo>
+                    <a:cubicBezTo>
+                      <a:pt x="440635" y="120295"/>
+                      <a:pt x="403378" y="44198"/>
+                      <a:pt x="447261" y="14278"/>
+                    </a:cubicBezTo>
+                    <a:cubicBezTo>
+                      <a:pt x="467178" y="699"/>
+                      <a:pt x="815739" y="41033"/>
+                      <a:pt x="844826" y="44095"/>
+                    </a:cubicBezTo>
+                    <a:cubicBezTo>
+                      <a:pt x="919754" y="69073"/>
+                      <a:pt x="869476" y="42111"/>
+                      <a:pt x="884583" y="193182"/>
+                    </a:cubicBezTo>
+                    <a:cubicBezTo>
+                      <a:pt x="886588" y="213235"/>
+                      <a:pt x="891209" y="232939"/>
+                      <a:pt x="894522" y="252817"/>
+                    </a:cubicBezTo>
+                    <a:cubicBezTo>
+                      <a:pt x="897835" y="305826"/>
+                      <a:pt x="898901" y="359023"/>
+                      <a:pt x="904461" y="411843"/>
+                    </a:cubicBezTo>
+                    <a:cubicBezTo>
+                      <a:pt x="905558" y="422262"/>
+                      <a:pt x="905029" y="436976"/>
+                      <a:pt x="914400" y="441661"/>
+                    </a:cubicBezTo>
+                    <a:cubicBezTo>
+                      <a:pt x="935353" y="452138"/>
+                      <a:pt x="960904" y="447529"/>
+                      <a:pt x="983974" y="451600"/>
+                    </a:cubicBezTo>
+                    <a:cubicBezTo>
+                      <a:pt x="1013547" y="456819"/>
+                      <a:pt x="1103469" y="477025"/>
+                      <a:pt x="1143000" y="481417"/>
+                    </a:cubicBezTo>
+                    <a:cubicBezTo>
+                      <a:pt x="1182650" y="485823"/>
+                      <a:pt x="1222574" y="487386"/>
+                      <a:pt x="1262270" y="491356"/>
+                    </a:cubicBezTo>
+                    <a:cubicBezTo>
+                      <a:pt x="1288848" y="494014"/>
+                      <a:pt x="1315279" y="497982"/>
+                      <a:pt x="1341783" y="501295"/>
+                    </a:cubicBezTo>
+                    <a:cubicBezTo>
+                      <a:pt x="1368287" y="497982"/>
+                      <a:pt x="1416167" y="517570"/>
+                      <a:pt x="1421296" y="491356"/>
+                    </a:cubicBezTo>
+                    <a:cubicBezTo>
+                      <a:pt x="1449929" y="345007"/>
+                      <a:pt x="1317227" y="140220"/>
+                      <a:pt x="1431235" y="44095"/>
+                    </a:cubicBezTo>
+                    <a:cubicBezTo>
+                      <a:pt x="1557981" y="-62769"/>
+                      <a:pt x="1762539" y="57348"/>
+                      <a:pt x="1928191" y="63974"/>
+                    </a:cubicBezTo>
+                    <a:cubicBezTo>
+                      <a:pt x="1998945" y="111142"/>
+                      <a:pt x="1959321" y="73337"/>
+                      <a:pt x="1967948" y="232939"/>
+                    </a:cubicBezTo>
+                    <a:cubicBezTo>
+                      <a:pt x="1971886" y="305795"/>
+                      <a:pt x="1916912" y="411531"/>
+                      <a:pt x="1977887" y="451600"/>
+                    </a:cubicBezTo>
+                    <a:cubicBezTo>
+                      <a:pt x="2072064" y="513488"/>
+                      <a:pt x="2203174" y="458226"/>
+                      <a:pt x="2315817" y="461539"/>
+                    </a:cubicBezTo>
+                    <a:cubicBezTo>
+                      <a:pt x="2671198" y="439328"/>
+                      <a:pt x="2305898" y="515166"/>
+                      <a:pt x="2484783" y="73913"/>
+                    </a:cubicBezTo>
+                    <a:cubicBezTo>
+                      <a:pt x="2502253" y="30819"/>
+                      <a:pt x="2577457" y="82250"/>
+                      <a:pt x="2623930" y="83852"/>
+                    </a:cubicBezTo>
+                    <a:cubicBezTo>
+                      <a:pt x="2769655" y="88877"/>
+                      <a:pt x="2915478" y="90478"/>
+                      <a:pt x="3061252" y="93791"/>
+                    </a:cubicBezTo>
+                    <a:cubicBezTo>
+                      <a:pt x="3064565" y="110356"/>
+                      <a:pt x="3071191" y="126594"/>
+                      <a:pt x="3071191" y="143487"/>
+                    </a:cubicBezTo>
+                    <a:cubicBezTo>
+                      <a:pt x="3071191" y="341370"/>
+                      <a:pt x="3082829" y="297416"/>
+                      <a:pt x="3051313" y="391965"/>
+                    </a:cubicBezTo>
+                    <a:cubicBezTo>
+                      <a:pt x="3054626" y="421782"/>
+                      <a:pt x="3032005" y="474732"/>
+                      <a:pt x="3061252" y="481417"/>
+                    </a:cubicBezTo>
+                    <a:cubicBezTo>
+                      <a:pt x="3119006" y="494618"/>
+                      <a:pt x="3360097" y="479785"/>
+                      <a:pt x="3478696" y="461539"/>
+                    </a:cubicBezTo>
+                    <a:cubicBezTo>
+                      <a:pt x="3551747" y="450300"/>
+                      <a:pt x="3504885" y="451600"/>
+                      <a:pt x="3548270" y="451600"/>
+                    </a:cubicBezTo>
+                  </a:path>
+                </a:pathLst>
+              </a:custGeom>
+              <a:noFill/>
+              <a:ln>
+                <a:solidFill>
+                  <a:srgbClr val="FF0000"/>
+                </a:solidFill>
+              </a:ln>
+            </p:spPr>
+            <p:style>
+              <a:lnRef idx="2">
+                <a:schemeClr val="accent1">
+                  <a:shade val="15000"/>
+                </a:schemeClr>
+              </a:lnRef>
+              <a:fillRef idx="1">
+                <a:schemeClr val="accent1"/>
+              </a:fillRef>
+              <a:effectRef idx="0">
+                <a:schemeClr val="accent1"/>
+              </a:effectRef>
+              <a:fontRef idx="minor">
+                <a:schemeClr val="lt1"/>
+              </a:fontRef>
+            </p:style>
+            <p:txBody>
+              <a:bodyPr rtlCol="0" anchor="ctr"/>
+              <a:lstStyle/>
+              <a:p>
+                <a:pPr algn="ctr"/>
+                <a:endParaRPr lang="zh-TW" altLang="en-US"/>
+              </a:p>
+            </p:txBody>
+          </p:sp>
+          <p:sp>
+            <p:nvSpPr>
+              <p:cNvPr id="7" name="文字方塊 6">
+                <a:extLst>
+                  <a:ext uri="{FF2B5EF4-FFF2-40B4-BE49-F238E27FC236}">
+                    <a16:creationId xmlns:a16="http://schemas.microsoft.com/office/drawing/2014/main" id="{F7EBF53D-77C4-BD51-CE25-8FC8721C3A3E}"/>
+                  </a:ext>
+                </a:extLst>
+              </p:cNvPr>
+              <p:cNvSpPr txBox="1"/>
+              <p:nvPr/>
+            </p:nvSpPr>
+            <p:spPr>
+              <a:xfrm>
+                <a:off x="3293471" y="308113"/>
+                <a:ext cx="1135760" cy="369332"/>
+              </a:xfrm>
+              <a:prstGeom prst="rect">
+                <a:avLst/>
+              </a:prstGeom>
+              <a:noFill/>
+              <a:ln>
+                <a:noFill/>
+              </a:ln>
+            </p:spPr>
+            <p:txBody>
+              <a:bodyPr wrap="none" rtlCol="0">
+                <a:spAutoFit/>
+              </a:bodyPr>
+              <a:lstStyle/>
+              <a:p>
+                <a:r>
+                  <a:rPr lang="en-US" altLang="zh-TW" dirty="0">
+                    <a:solidFill>
+                      <a:srgbClr val="FF0000"/>
+                    </a:solidFill>
+                  </a:rPr>
+                  <a:t>SYNC out</a:t>
+                </a:r>
+                <a:endParaRPr lang="zh-TW" altLang="en-US" dirty="0">
+                  <a:solidFill>
+                    <a:srgbClr val="FF0000"/>
+                  </a:solidFill>
+                </a:endParaRPr>
+              </a:p>
+            </p:txBody>
+          </p:sp>
+          <p:sp>
+            <p:nvSpPr>
+              <p:cNvPr id="8" name="矩形 7">
+                <a:extLst>
+                  <a:ext uri="{FF2B5EF4-FFF2-40B4-BE49-F238E27FC236}">
+                    <a16:creationId xmlns:a16="http://schemas.microsoft.com/office/drawing/2014/main" id="{2FE48EAE-880D-7F47-DDED-2E30A8BAA4CA}"/>
+                  </a:ext>
+                </a:extLst>
+              </p:cNvPr>
+              <p:cNvSpPr/>
+              <p:nvPr/>
+            </p:nvSpPr>
+            <p:spPr>
+              <a:xfrm>
+                <a:off x="2872409" y="1391478"/>
+                <a:ext cx="421062" cy="505238"/>
+              </a:xfrm>
+              <a:prstGeom prst="rect">
+                <a:avLst/>
+              </a:prstGeom>
+            </p:spPr>
+            <p:style>
+              <a:lnRef idx="2">
+                <a:schemeClr val="dk1">
+                  <a:shade val="15000"/>
+                </a:schemeClr>
+              </a:lnRef>
+              <a:fillRef idx="1">
+                <a:schemeClr val="dk1"/>
+              </a:fillRef>
+              <a:effectRef idx="0">
+                <a:schemeClr val="dk1"/>
+              </a:effectRef>
+              <a:fontRef idx="minor">
+                <a:schemeClr val="lt1"/>
+              </a:fontRef>
+            </p:style>
+            <p:txBody>
+              <a:bodyPr rtlCol="0" anchor="ctr"/>
+              <a:lstStyle/>
+              <a:p>
+                <a:pPr algn="ctr"/>
+                <a:endParaRPr lang="zh-TW" altLang="en-US"/>
+              </a:p>
+            </p:txBody>
+          </p:sp>
+          <p:sp>
+            <p:nvSpPr>
+              <p:cNvPr id="9" name="矩形 8">
+                <a:extLst>
+                  <a:ext uri="{FF2B5EF4-FFF2-40B4-BE49-F238E27FC236}">
+                    <a16:creationId xmlns:a16="http://schemas.microsoft.com/office/drawing/2014/main" id="{1DCDDAA8-E73D-FB7F-9D85-3DD370C52FA2}"/>
+                  </a:ext>
+                </a:extLst>
+              </p:cNvPr>
+              <p:cNvSpPr/>
+              <p:nvPr/>
+            </p:nvSpPr>
+            <p:spPr>
+              <a:xfrm>
+                <a:off x="3874909" y="1391478"/>
+                <a:ext cx="421062" cy="505238"/>
+              </a:xfrm>
+              <a:prstGeom prst="rect">
+                <a:avLst/>
+              </a:prstGeom>
+            </p:spPr>
+            <p:style>
+              <a:lnRef idx="2">
+                <a:schemeClr val="dk1">
+                  <a:shade val="15000"/>
+                </a:schemeClr>
+              </a:lnRef>
+              <a:fillRef idx="1">
+                <a:schemeClr val="dk1"/>
+              </a:fillRef>
+              <a:effectRef idx="0">
+                <a:schemeClr val="dk1"/>
+              </a:effectRef>
+              <a:fontRef idx="minor">
+                <a:schemeClr val="lt1"/>
+              </a:fontRef>
+            </p:style>
+            <p:txBody>
+              <a:bodyPr rtlCol="0" anchor="ctr"/>
+              <a:lstStyle/>
+              <a:p>
+                <a:pPr algn="ctr"/>
+                <a:endParaRPr lang="zh-TW" altLang="en-US"/>
+              </a:p>
+            </p:txBody>
+          </p:sp>
+          <p:sp>
+            <p:nvSpPr>
+              <p:cNvPr id="10" name="矩形 9">
+                <a:extLst>
+                  <a:ext uri="{FF2B5EF4-FFF2-40B4-BE49-F238E27FC236}">
+                    <a16:creationId xmlns:a16="http://schemas.microsoft.com/office/drawing/2014/main" id="{9623CC0D-5C17-ED6F-058D-99F7537BA877}"/>
+                  </a:ext>
+                </a:extLst>
+              </p:cNvPr>
+              <p:cNvSpPr/>
+              <p:nvPr/>
+            </p:nvSpPr>
+            <p:spPr>
+              <a:xfrm>
+                <a:off x="4919563" y="1391478"/>
+                <a:ext cx="421062" cy="505238"/>
+              </a:xfrm>
+              <a:prstGeom prst="rect">
+                <a:avLst/>
+              </a:prstGeom>
+            </p:spPr>
+            <p:style>
+              <a:lnRef idx="2">
+                <a:schemeClr val="dk1">
+                  <a:shade val="15000"/>
+                </a:schemeClr>
+              </a:lnRef>
+              <a:fillRef idx="1">
+                <a:schemeClr val="dk1"/>
+              </a:fillRef>
+              <a:effectRef idx="0">
+                <a:schemeClr val="dk1"/>
+              </a:effectRef>
+              <a:fontRef idx="minor">
+                <a:schemeClr val="lt1"/>
+              </a:fontRef>
+            </p:style>
+            <p:txBody>
+              <a:bodyPr rtlCol="0" anchor="ctr"/>
+              <a:lstStyle/>
+              <a:p>
+                <a:pPr algn="ctr"/>
+                <a:endParaRPr lang="zh-TW" altLang="en-US"/>
+              </a:p>
+            </p:txBody>
+          </p:sp>
+          <p:sp>
+            <p:nvSpPr>
+              <p:cNvPr id="11" name="文字方塊 10">
+                <a:extLst>
+                  <a:ext uri="{FF2B5EF4-FFF2-40B4-BE49-F238E27FC236}">
+                    <a16:creationId xmlns:a16="http://schemas.microsoft.com/office/drawing/2014/main" id="{F30A34AF-4F2B-AF69-0F84-AE8975EF9F9A}"/>
+                  </a:ext>
+                </a:extLst>
+              </p:cNvPr>
+              <p:cNvSpPr txBox="1"/>
+              <p:nvPr/>
+            </p:nvSpPr>
+            <p:spPr>
+              <a:xfrm>
+                <a:off x="4777761" y="1946486"/>
+                <a:ext cx="633763" cy="369332"/>
+              </a:xfrm>
+              <a:prstGeom prst="rect">
+                <a:avLst/>
+              </a:prstGeom>
+              <a:noFill/>
+            </p:spPr>
+            <p:txBody>
+              <a:bodyPr wrap="none" rtlCol="0">
+                <a:spAutoFit/>
+              </a:bodyPr>
+              <a:lstStyle/>
+              <a:p>
+                <a:r>
+                  <a:rPr lang="en-US" altLang="zh-TW" dirty="0"/>
+                  <a:t>data</a:t>
+                </a:r>
+                <a:endParaRPr lang="zh-TW" altLang="en-US" dirty="0"/>
+              </a:p>
+            </p:txBody>
+          </p:sp>
+        </p:grpSp>
+        <p:cxnSp>
+          <p:nvCxnSpPr>
+            <p:cNvPr id="14" name="直線單箭頭接點 13">
+              <a:extLst>
+                <a:ext uri="{FF2B5EF4-FFF2-40B4-BE49-F238E27FC236}">
+                  <a16:creationId xmlns:a16="http://schemas.microsoft.com/office/drawing/2014/main" id="{697B1F68-0E03-9BB8-80E3-E43F0383FADB}"/>
+                </a:ext>
+              </a:extLst>
+            </p:cNvPr>
+            <p:cNvCxnSpPr/>
+            <p:nvPr/>
+          </p:nvCxnSpPr>
+          <p:spPr>
+            <a:xfrm>
+              <a:off x="2574234" y="2449166"/>
+              <a:ext cx="3643378" cy="0"/>
+            </a:xfrm>
+            <a:prstGeom prst="straightConnector1">
+              <a:avLst/>
+            </a:prstGeom>
+            <a:ln>
+              <a:tailEnd type="triangle"/>
+            </a:ln>
+          </p:spPr>
+          <p:style>
+            <a:lnRef idx="2">
+              <a:schemeClr val="accent1"/>
+            </a:lnRef>
+            <a:fillRef idx="0">
+              <a:schemeClr val="accent1"/>
+            </a:fillRef>
+            <a:effectRef idx="1">
+              <a:schemeClr val="accent1"/>
+            </a:effectRef>
+            <a:fontRef idx="minor">
+              <a:schemeClr val="tx1"/>
+            </a:fontRef>
+          </p:style>
+        </p:cxnSp>
+        <p:sp>
+          <p:nvSpPr>
+            <p:cNvPr id="15" name="文字方塊 14">
+              <a:extLst>
+                <a:ext uri="{FF2B5EF4-FFF2-40B4-BE49-F238E27FC236}">
+                  <a16:creationId xmlns:a16="http://schemas.microsoft.com/office/drawing/2014/main" id="{A70D5E27-7E70-0C9A-568C-029D5AA1F84E}"/>
+                </a:ext>
+              </a:extLst>
+            </p:cNvPr>
+            <p:cNvSpPr txBox="1"/>
+            <p:nvPr/>
+          </p:nvSpPr>
+          <p:spPr>
+            <a:xfrm>
+              <a:off x="6178927" y="2261743"/>
+              <a:ext cx="364202" cy="369332"/>
+            </a:xfrm>
+            <a:prstGeom prst="rect">
+              <a:avLst/>
+            </a:prstGeom>
+            <a:noFill/>
+          </p:spPr>
+          <p:txBody>
+            <a:bodyPr wrap="none" rtlCol="0">
+              <a:spAutoFit/>
+            </a:bodyPr>
+            <a:lstStyle/>
+            <a:p>
+              <a:r>
+                <a:rPr lang="en-US" altLang="zh-TW" dirty="0" err="1">
+                  <a:solidFill>
+                    <a:schemeClr val="accent4">
+                      <a:lumMod val="75000"/>
+                    </a:schemeClr>
+                  </a:solidFill>
+                </a:rPr>
+                <a:t>rx</a:t>
+              </a:r>
+              <a:endParaRPr lang="zh-TW" altLang="en-US" dirty="0">
+                <a:solidFill>
+                  <a:schemeClr val="accent4">
+                    <a:lumMod val="75000"/>
+                  </a:schemeClr>
+                </a:solidFill>
+              </a:endParaRPr>
+            </a:p>
+          </p:txBody>
+        </p:sp>
+        <p:sp>
+          <p:nvSpPr>
+            <p:cNvPr id="18" name="文字方塊 17">
+              <a:extLst>
+                <a:ext uri="{FF2B5EF4-FFF2-40B4-BE49-F238E27FC236}">
+                  <a16:creationId xmlns:a16="http://schemas.microsoft.com/office/drawing/2014/main" id="{6AD5AC19-EE91-1350-4253-81A2FDF03B8D}"/>
+                </a:ext>
+              </a:extLst>
+            </p:cNvPr>
+            <p:cNvSpPr txBox="1"/>
+            <p:nvPr/>
+          </p:nvSpPr>
+          <p:spPr>
+            <a:xfrm>
+              <a:off x="2205465" y="2261743"/>
+              <a:ext cx="362600" cy="369332"/>
+            </a:xfrm>
+            <a:prstGeom prst="rect">
+              <a:avLst/>
+            </a:prstGeom>
+            <a:noFill/>
+          </p:spPr>
+          <p:txBody>
+            <a:bodyPr wrap="none" rtlCol="0">
+              <a:spAutoFit/>
+            </a:bodyPr>
+            <a:lstStyle/>
+            <a:p>
+              <a:r>
+                <a:rPr lang="en-US" altLang="zh-TW" dirty="0" err="1">
+                  <a:solidFill>
+                    <a:schemeClr val="accent4">
+                      <a:lumMod val="75000"/>
+                    </a:schemeClr>
+                  </a:solidFill>
+                </a:rPr>
+                <a:t>tx</a:t>
+              </a:r>
+              <a:endParaRPr lang="zh-TW" altLang="en-US" dirty="0">
+                <a:solidFill>
+                  <a:schemeClr val="accent4">
+                    <a:lumMod val="75000"/>
+                  </a:schemeClr>
+                </a:solidFill>
+              </a:endParaRPr>
+            </a:p>
+          </p:txBody>
+        </p:sp>
+      </p:grpSp>
+      <p:sp>
+        <p:nvSpPr>
+          <p:cNvPr id="22" name="手繪多邊形: 圖案 21">
+            <a:extLst>
+              <a:ext uri="{FF2B5EF4-FFF2-40B4-BE49-F238E27FC236}">
+                <a16:creationId xmlns:a16="http://schemas.microsoft.com/office/drawing/2014/main" id="{BA82E752-05CD-EED5-A90A-16D72DE603C2}"/>
+              </a:ext>
+            </a:extLst>
+          </p:cNvPr>
+          <p:cNvSpPr/>
+          <p:nvPr/>
+        </p:nvSpPr>
+        <p:spPr>
+          <a:xfrm>
+            <a:off x="8438322" y="1775654"/>
+            <a:ext cx="2941982" cy="485756"/>
+          </a:xfrm>
+          <a:custGeom>
+            <a:avLst/>
+            <a:gdLst>
+              <a:gd name="csX0" fmla="*/ 0 w 2941982"/>
+              <a:gd name="csY0" fmla="*/ 460650 h 485756"/>
+              <a:gd name="csX1" fmla="*/ 178904 w 2941982"/>
+              <a:gd name="csY1" fmla="*/ 470589 h 485756"/>
+              <a:gd name="csX2" fmla="*/ 437321 w 2941982"/>
+              <a:gd name="csY2" fmla="*/ 470589 h 485756"/>
+              <a:gd name="csX3" fmla="*/ 407504 w 2941982"/>
+              <a:gd name="csY3" fmla="*/ 341381 h 485756"/>
+              <a:gd name="csX4" fmla="*/ 755374 w 2941982"/>
+              <a:gd name="csY4" fmla="*/ 23329 h 485756"/>
+              <a:gd name="csX5" fmla="*/ 824948 w 2941982"/>
+              <a:gd name="csY5" fmla="*/ 33268 h 485756"/>
+              <a:gd name="csX6" fmla="*/ 844826 w 2941982"/>
+              <a:gd name="csY6" fmla="*/ 92903 h 485756"/>
+              <a:gd name="csX7" fmla="*/ 854765 w 2941982"/>
+              <a:gd name="csY7" fmla="*/ 192294 h 485756"/>
+              <a:gd name="csX8" fmla="*/ 874643 w 2941982"/>
+              <a:gd name="csY8" fmla="*/ 450711 h 485756"/>
+              <a:gd name="csX9" fmla="*/ 884582 w 2941982"/>
+              <a:gd name="csY9" fmla="*/ 480529 h 485756"/>
+              <a:gd name="csX10" fmla="*/ 1182756 w 2941982"/>
+              <a:gd name="csY10" fmla="*/ 460650 h 485756"/>
+              <a:gd name="csX11" fmla="*/ 1292087 w 2941982"/>
+              <a:gd name="csY11" fmla="*/ 450711 h 485756"/>
+              <a:gd name="csX12" fmla="*/ 1282148 w 2941982"/>
+              <a:gd name="csY12" fmla="*/ 381137 h 485756"/>
+              <a:gd name="csX13" fmla="*/ 1272208 w 2941982"/>
+              <a:gd name="csY13" fmla="*/ 331442 h 485756"/>
+              <a:gd name="csX14" fmla="*/ 1252330 w 2941982"/>
+              <a:gd name="csY14" fmla="*/ 222111 h 485756"/>
+              <a:gd name="csX15" fmla="*/ 1242391 w 2941982"/>
+              <a:gd name="csY15" fmla="*/ 142598 h 485756"/>
+              <a:gd name="csX16" fmla="*/ 1699591 w 2941982"/>
+              <a:gd name="csY16" fmla="*/ 53146 h 485756"/>
+              <a:gd name="csX17" fmla="*/ 1709530 w 2941982"/>
+              <a:gd name="csY17" fmla="*/ 92903 h 485756"/>
+              <a:gd name="csX18" fmla="*/ 1719469 w 2941982"/>
+              <a:gd name="csY18" fmla="*/ 162476 h 485756"/>
+              <a:gd name="csX19" fmla="*/ 1739348 w 2941982"/>
+              <a:gd name="csY19" fmla="*/ 450711 h 485756"/>
+              <a:gd name="csX20" fmla="*/ 1798982 w 2941982"/>
+              <a:gd name="csY20" fmla="*/ 440772 h 485756"/>
+              <a:gd name="csX21" fmla="*/ 2067339 w 2941982"/>
+              <a:gd name="csY21" fmla="*/ 420894 h 485756"/>
+              <a:gd name="csX22" fmla="*/ 2196548 w 2941982"/>
+              <a:gd name="csY22" fmla="*/ 410955 h 485756"/>
+              <a:gd name="csX23" fmla="*/ 2186608 w 2941982"/>
+              <a:gd name="csY23" fmla="*/ 341381 h 485756"/>
+              <a:gd name="csX24" fmla="*/ 2176669 w 2941982"/>
+              <a:gd name="csY24" fmla="*/ 291685 h 485756"/>
+              <a:gd name="csX25" fmla="*/ 2166730 w 2941982"/>
+              <a:gd name="csY25" fmla="*/ 202233 h 485756"/>
+              <a:gd name="csX26" fmla="*/ 2156791 w 2941982"/>
+              <a:gd name="csY26" fmla="*/ 132659 h 485756"/>
+              <a:gd name="csX27" fmla="*/ 2166730 w 2941982"/>
+              <a:gd name="csY27" fmla="*/ 63085 h 485756"/>
+              <a:gd name="csX28" fmla="*/ 2325756 w 2941982"/>
+              <a:gd name="csY28" fmla="*/ 82963 h 485756"/>
+              <a:gd name="csX29" fmla="*/ 2504661 w 2941982"/>
+              <a:gd name="csY29" fmla="*/ 92903 h 485756"/>
+              <a:gd name="csX30" fmla="*/ 2514600 w 2941982"/>
+              <a:gd name="csY30" fmla="*/ 460650 h 485756"/>
+              <a:gd name="csX31" fmla="*/ 2633869 w 2941982"/>
+              <a:gd name="csY31" fmla="*/ 470589 h 485756"/>
+              <a:gd name="csX32" fmla="*/ 2941982 w 2941982"/>
+              <a:gd name="csY32" fmla="*/ 470589 h 485756"/>
+            </a:gdLst>
+            <a:ahLst/>
+            <a:cxnLst>
+              <a:cxn ang="0">
+                <a:pos x="csX0" y="csY0"/>
+              </a:cxn>
+              <a:cxn ang="0">
+                <a:pos x="csX1" y="csY1"/>
+              </a:cxn>
+              <a:cxn ang="0">
+                <a:pos x="csX2" y="csY2"/>
+              </a:cxn>
+              <a:cxn ang="0">
+                <a:pos x="csX3" y="csY3"/>
+              </a:cxn>
+              <a:cxn ang="0">
+                <a:pos x="csX4" y="csY4"/>
+              </a:cxn>
+              <a:cxn ang="0">
+                <a:pos x="csX5" y="csY5"/>
+              </a:cxn>
+              <a:cxn ang="0">
+                <a:pos x="csX6" y="csY6"/>
+              </a:cxn>
+              <a:cxn ang="0">
+                <a:pos x="csX7" y="csY7"/>
+              </a:cxn>
+              <a:cxn ang="0">
+                <a:pos x="csX8" y="csY8"/>
+              </a:cxn>
+              <a:cxn ang="0">
+                <a:pos x="csX9" y="csY9"/>
+              </a:cxn>
+              <a:cxn ang="0">
+                <a:pos x="csX10" y="csY10"/>
+              </a:cxn>
+              <a:cxn ang="0">
+                <a:pos x="csX11" y="csY11"/>
+              </a:cxn>
+              <a:cxn ang="0">
+                <a:pos x="csX12" y="csY12"/>
+              </a:cxn>
+              <a:cxn ang="0">
+                <a:pos x="csX13" y="csY13"/>
+              </a:cxn>
+              <a:cxn ang="0">
+                <a:pos x="csX14" y="csY14"/>
+              </a:cxn>
+              <a:cxn ang="0">
+                <a:pos x="csX15" y="csY15"/>
+              </a:cxn>
+              <a:cxn ang="0">
+                <a:pos x="csX16" y="csY16"/>
+              </a:cxn>
+              <a:cxn ang="0">
+                <a:pos x="csX17" y="csY17"/>
+              </a:cxn>
+              <a:cxn ang="0">
+                <a:pos x="csX18" y="csY18"/>
+              </a:cxn>
+              <a:cxn ang="0">
+                <a:pos x="csX19" y="csY19"/>
+              </a:cxn>
+              <a:cxn ang="0">
+                <a:pos x="csX20" y="csY20"/>
+              </a:cxn>
+              <a:cxn ang="0">
+                <a:pos x="csX21" y="csY21"/>
+              </a:cxn>
+              <a:cxn ang="0">
+                <a:pos x="csX22" y="csY22"/>
+              </a:cxn>
+              <a:cxn ang="0">
+                <a:pos x="csX23" y="csY23"/>
+              </a:cxn>
+              <a:cxn ang="0">
+                <a:pos x="csX24" y="csY24"/>
+              </a:cxn>
+              <a:cxn ang="0">
+                <a:pos x="csX25" y="csY25"/>
+              </a:cxn>
+              <a:cxn ang="0">
+                <a:pos x="csX26" y="csY26"/>
+              </a:cxn>
+              <a:cxn ang="0">
+                <a:pos x="csX27" y="csY27"/>
+              </a:cxn>
+              <a:cxn ang="0">
+                <a:pos x="csX28" y="csY28"/>
+              </a:cxn>
+              <a:cxn ang="0">
+                <a:pos x="csX29" y="csY29"/>
+              </a:cxn>
+              <a:cxn ang="0">
+                <a:pos x="csX30" y="csY30"/>
+              </a:cxn>
+              <a:cxn ang="0">
+                <a:pos x="csX31" y="csY31"/>
+              </a:cxn>
+              <a:cxn ang="0">
+                <a:pos x="csX32" y="csY32"/>
+              </a:cxn>
+            </a:cxnLst>
+            <a:rect l="l" t="t" r="r" b="b"/>
+            <a:pathLst>
+              <a:path w="2941982" h="485756">
+                <a:moveTo>
+                  <a:pt x="0" y="460650"/>
+                </a:moveTo>
+                <a:lnTo>
+                  <a:pt x="178904" y="470589"/>
+                </a:lnTo>
+                <a:cubicBezTo>
+                  <a:pt x="407693" y="482029"/>
+                  <a:pt x="327440" y="498062"/>
+                  <a:pt x="437321" y="470589"/>
+                </a:cubicBezTo>
+                <a:cubicBezTo>
+                  <a:pt x="413346" y="374687"/>
+                  <a:pt x="422801" y="417865"/>
+                  <a:pt x="407504" y="341381"/>
+                </a:cubicBezTo>
+                <a:cubicBezTo>
+                  <a:pt x="420602" y="-90856"/>
+                  <a:pt x="308372" y="1523"/>
+                  <a:pt x="755374" y="23329"/>
+                </a:cubicBezTo>
+                <a:cubicBezTo>
+                  <a:pt x="778773" y="24470"/>
+                  <a:pt x="801757" y="29955"/>
+                  <a:pt x="824948" y="33268"/>
+                </a:cubicBezTo>
+                <a:cubicBezTo>
+                  <a:pt x="831574" y="53146"/>
+                  <a:pt x="840965" y="72308"/>
+                  <a:pt x="844826" y="92903"/>
+                </a:cubicBezTo>
+                <a:cubicBezTo>
+                  <a:pt x="850962" y="125628"/>
+                  <a:pt x="852474" y="159077"/>
+                  <a:pt x="854765" y="192294"/>
+                </a:cubicBezTo>
+                <a:cubicBezTo>
+                  <a:pt x="860547" y="276130"/>
+                  <a:pt x="857792" y="366456"/>
+                  <a:pt x="874643" y="450711"/>
+                </a:cubicBezTo>
+                <a:cubicBezTo>
+                  <a:pt x="876698" y="460984"/>
+                  <a:pt x="881269" y="470590"/>
+                  <a:pt x="884582" y="480529"/>
+                </a:cubicBezTo>
+                <a:cubicBezTo>
+                  <a:pt x="1011398" y="448823"/>
+                  <a:pt x="889041" y="476526"/>
+                  <a:pt x="1182756" y="460650"/>
+                </a:cubicBezTo>
+                <a:cubicBezTo>
+                  <a:pt x="1219297" y="458675"/>
+                  <a:pt x="1255643" y="454024"/>
+                  <a:pt x="1292087" y="450711"/>
+                </a:cubicBezTo>
+                <a:cubicBezTo>
+                  <a:pt x="1288774" y="427520"/>
+                  <a:pt x="1285999" y="404245"/>
+                  <a:pt x="1282148" y="381137"/>
+                </a:cubicBezTo>
+                <a:cubicBezTo>
+                  <a:pt x="1279371" y="364474"/>
+                  <a:pt x="1274777" y="348139"/>
+                  <a:pt x="1272208" y="331442"/>
+                </a:cubicBezTo>
+                <a:cubicBezTo>
+                  <a:pt x="1256151" y="227078"/>
+                  <a:pt x="1272605" y="282939"/>
+                  <a:pt x="1252330" y="222111"/>
+                </a:cubicBezTo>
+                <a:cubicBezTo>
+                  <a:pt x="1249017" y="195607"/>
+                  <a:pt x="1242391" y="169309"/>
+                  <a:pt x="1242391" y="142598"/>
+                </a:cubicBezTo>
+                <a:cubicBezTo>
+                  <a:pt x="1242391" y="-105727"/>
+                  <a:pt x="1330015" y="44933"/>
+                  <a:pt x="1699591" y="53146"/>
+                </a:cubicBezTo>
+                <a:cubicBezTo>
+                  <a:pt x="1702904" y="66398"/>
+                  <a:pt x="1707086" y="79463"/>
+                  <a:pt x="1709530" y="92903"/>
+                </a:cubicBezTo>
+                <a:cubicBezTo>
+                  <a:pt x="1713721" y="115952"/>
+                  <a:pt x="1716732" y="139210"/>
+                  <a:pt x="1719469" y="162476"/>
+                </a:cubicBezTo>
+                <a:cubicBezTo>
+                  <a:pt x="1733364" y="280582"/>
+                  <a:pt x="1732043" y="311933"/>
+                  <a:pt x="1739348" y="450711"/>
+                </a:cubicBezTo>
+                <a:cubicBezTo>
+                  <a:pt x="1759226" y="447398"/>
+                  <a:pt x="1778985" y="443272"/>
+                  <a:pt x="1798982" y="440772"/>
+                </a:cubicBezTo>
+                <a:cubicBezTo>
+                  <a:pt x="1903899" y="427658"/>
+                  <a:pt x="1950899" y="428657"/>
+                  <a:pt x="2067339" y="420894"/>
+                </a:cubicBezTo>
+                <a:cubicBezTo>
+                  <a:pt x="2110440" y="418021"/>
+                  <a:pt x="2153478" y="414268"/>
+                  <a:pt x="2196548" y="410955"/>
+                </a:cubicBezTo>
+                <a:cubicBezTo>
+                  <a:pt x="2193235" y="387764"/>
+                  <a:pt x="2190459" y="364489"/>
+                  <a:pt x="2186608" y="341381"/>
+                </a:cubicBezTo>
+                <a:cubicBezTo>
+                  <a:pt x="2183831" y="324717"/>
+                  <a:pt x="2179058" y="308409"/>
+                  <a:pt x="2176669" y="291685"/>
+                </a:cubicBezTo>
+                <a:cubicBezTo>
+                  <a:pt x="2172426" y="261986"/>
+                  <a:pt x="2170451" y="232002"/>
+                  <a:pt x="2166730" y="202233"/>
+                </a:cubicBezTo>
+                <a:cubicBezTo>
+                  <a:pt x="2163824" y="178987"/>
+                  <a:pt x="2160104" y="155850"/>
+                  <a:pt x="2156791" y="132659"/>
+                </a:cubicBezTo>
+                <a:cubicBezTo>
+                  <a:pt x="2160104" y="109468"/>
+                  <a:pt x="2145459" y="72902"/>
+                  <a:pt x="2166730" y="63085"/>
+                </a:cubicBezTo>
+                <a:cubicBezTo>
+                  <a:pt x="2234540" y="31788"/>
+                  <a:pt x="2269578" y="77856"/>
+                  <a:pt x="2325756" y="82963"/>
+                </a:cubicBezTo>
+                <a:cubicBezTo>
+                  <a:pt x="2385238" y="88371"/>
+                  <a:pt x="2445026" y="89590"/>
+                  <a:pt x="2504661" y="92903"/>
+                </a:cubicBezTo>
+                <a:cubicBezTo>
+                  <a:pt x="2507974" y="215485"/>
+                  <a:pt x="2474907" y="344625"/>
+                  <a:pt x="2514600" y="460650"/>
+                </a:cubicBezTo>
+                <a:cubicBezTo>
+                  <a:pt x="2527513" y="498396"/>
+                  <a:pt x="2593986" y="469661"/>
+                  <a:pt x="2633869" y="470589"/>
+                </a:cubicBezTo>
+                <a:cubicBezTo>
+                  <a:pt x="2736546" y="472977"/>
+                  <a:pt x="2839278" y="470589"/>
+                  <a:pt x="2941982" y="470589"/>
+                </a:cubicBezTo>
+              </a:path>
+            </a:pathLst>
+          </a:custGeom>
+          <a:noFill/>
+        </p:spPr>
+        <p:style>
+          <a:lnRef idx="2">
+            <a:schemeClr val="accent1">
+              <a:shade val="15000"/>
+            </a:schemeClr>
+          </a:lnRef>
+          <a:fillRef idx="1">
+            <a:schemeClr val="accent1"/>
+          </a:fillRef>
+          <a:effectRef idx="0">
+            <a:schemeClr val="accent1"/>
+          </a:effectRef>
+          <a:fontRef idx="minor">
+            <a:schemeClr val="lt1"/>
+          </a:fontRef>
+        </p:style>
+        <p:txBody>
+          <a:bodyPr rtlCol="0" anchor="ctr"/>
+          <a:lstStyle/>
+          <a:p>
+            <a:pPr algn="ctr"/>
+            <a:endParaRPr lang="zh-TW" altLang="en-US"/>
+          </a:p>
+        </p:txBody>
+      </p:sp>
+      <p:sp>
+        <p:nvSpPr>
+          <p:cNvPr id="23" name="文字方塊 22">
+            <a:extLst>
+              <a:ext uri="{FF2B5EF4-FFF2-40B4-BE49-F238E27FC236}">
+                <a16:creationId xmlns:a16="http://schemas.microsoft.com/office/drawing/2014/main" id="{C73E9426-081B-A6F6-A3B6-F494B7AB7C9A}"/>
+              </a:ext>
+            </a:extLst>
+          </p:cNvPr>
+          <p:cNvSpPr txBox="1"/>
+          <p:nvPr/>
+        </p:nvSpPr>
+        <p:spPr>
+          <a:xfrm>
+            <a:off x="7748238" y="889720"/>
+            <a:ext cx="4061791" cy="523220"/>
+          </a:xfrm>
+          <a:prstGeom prst="rect">
+            <a:avLst/>
+          </a:prstGeom>
+          <a:noFill/>
+        </p:spPr>
+        <p:txBody>
+          <a:bodyPr wrap="square" rtlCol="0">
+            <a:spAutoFit/>
+          </a:bodyPr>
+          <a:lstStyle/>
+          <a:p>
+            <a:r>
+              <a:rPr lang="zh-TW" altLang="en-US" sz="1400" dirty="0"/>
+              <a:t>由</a:t>
+            </a:r>
+            <a:r>
+              <a:rPr lang="en-US" altLang="zh-TW" sz="1400" dirty="0"/>
+              <a:t>MCU</a:t>
+            </a:r>
+            <a:r>
+              <a:rPr lang="zh-TW" altLang="en-US" sz="1400" dirty="0"/>
+              <a:t> </a:t>
+            </a:r>
+            <a:r>
+              <a:rPr lang="en-US" altLang="zh-TW" sz="1400" dirty="0"/>
+              <a:t>timer</a:t>
+            </a:r>
+            <a:r>
+              <a:rPr lang="zh-TW" altLang="en-US" sz="1400" dirty="0"/>
+              <a:t>產生的</a:t>
+            </a:r>
+            <a:r>
+              <a:rPr lang="en-US" altLang="zh-TW" sz="1400" dirty="0"/>
+              <a:t>tick</a:t>
+            </a:r>
+            <a:r>
+              <a:rPr lang="zh-TW" altLang="en-US" sz="1400" dirty="0"/>
+              <a:t>，起始點要由收到的</a:t>
+            </a:r>
+            <a:r>
+              <a:rPr lang="en-US" altLang="zh-TW" sz="1400" dirty="0"/>
+              <a:t>data</a:t>
+            </a:r>
+            <a:r>
+              <a:rPr lang="zh-TW" altLang="en-US" sz="1400" dirty="0"/>
+              <a:t>控制開始嗎</a:t>
+            </a:r>
+            <a:r>
+              <a:rPr lang="en-US" altLang="zh-TW" sz="1400" dirty="0"/>
+              <a:t>?</a:t>
+            </a:r>
+            <a:endParaRPr lang="zh-TW" altLang="en-US" sz="1400" dirty="0"/>
+          </a:p>
+        </p:txBody>
+      </p:sp>
     </p:spTree>
     <p:extLst>
       <p:ext uri="{BB962C8B-B14F-4D97-AF65-F5344CB8AC3E}">
